--- a/Calendario2024/Presentaciones/9_2_VPNs_IPsec.pptx
+++ b/Calendario2024/Presentaciones/9_2_VPNs_IPsec.pptx
@@ -226,7 +226,7 @@
           <a:p>
             <a:fld id="{2D445F07-8756-451B-A938-0248325FC7BB}" type="datetimeFigureOut">
               <a:rPr lang="es-MX" smtClean="0"/>
-              <a:t>24/04/2023</a:t>
+              <a:t>21/05/2024</a:t>
             </a:fld>
             <a:endParaRPr lang="es-MX" dirty="0"/>
           </a:p>
@@ -385,7 +385,7 @@
           <a:p>
             <a:fld id="{5993AEC0-242E-4FA7-9D3C-51E1036AC3CB}" type="slidenum">
               <a:rPr lang="es-MX" smtClean="0"/>
-              <a:t>‹Nº›</a:t>
+              <a:t>‹#›</a:t>
             </a:fld>
             <a:endParaRPr lang="es-MX" dirty="0"/>
           </a:p>
@@ -2187,7 +2187,7 @@
           <a:p>
             <a:fld id="{5E75A0DC-66C6-4CEC-A5EB-F8C97CEC3796}" type="datetimeFigureOut">
               <a:rPr lang="es-MX" smtClean="0"/>
-              <a:t>24/04/2023</a:t>
+              <a:t>21/05/2024</a:t>
             </a:fld>
             <a:endParaRPr lang="es-MX" dirty="0"/>
           </a:p>
@@ -2229,7 +2229,7 @@
           <a:p>
             <a:fld id="{C077EE1E-7A06-4E7F-9AFB-189FC69B7B0C}" type="slidenum">
               <a:rPr lang="es-MX" smtClean="0"/>
-              <a:t>‹Nº›</a:t>
+              <a:t>‹#›</a:t>
             </a:fld>
             <a:endParaRPr lang="es-MX" dirty="0"/>
           </a:p>
@@ -2357,7 +2357,7 @@
           <a:p>
             <a:fld id="{5E75A0DC-66C6-4CEC-A5EB-F8C97CEC3796}" type="datetimeFigureOut">
               <a:rPr lang="es-MX" smtClean="0"/>
-              <a:t>24/04/2023</a:t>
+              <a:t>21/05/2024</a:t>
             </a:fld>
             <a:endParaRPr lang="es-MX" dirty="0"/>
           </a:p>
@@ -2399,7 +2399,7 @@
           <a:p>
             <a:fld id="{C077EE1E-7A06-4E7F-9AFB-189FC69B7B0C}" type="slidenum">
               <a:rPr lang="es-MX" smtClean="0"/>
-              <a:t>‹Nº›</a:t>
+              <a:t>‹#›</a:t>
             </a:fld>
             <a:endParaRPr lang="es-MX" dirty="0"/>
           </a:p>
@@ -2537,7 +2537,7 @@
           <a:p>
             <a:fld id="{5E75A0DC-66C6-4CEC-A5EB-F8C97CEC3796}" type="datetimeFigureOut">
               <a:rPr lang="es-MX" smtClean="0"/>
-              <a:t>24/04/2023</a:t>
+              <a:t>21/05/2024</a:t>
             </a:fld>
             <a:endParaRPr lang="es-MX" dirty="0"/>
           </a:p>
@@ -2579,7 +2579,7 @@
           <a:p>
             <a:fld id="{C077EE1E-7A06-4E7F-9AFB-189FC69B7B0C}" type="slidenum">
               <a:rPr lang="es-MX" smtClean="0"/>
-              <a:t>‹Nº›</a:t>
+              <a:t>‹#›</a:t>
             </a:fld>
             <a:endParaRPr lang="es-MX" dirty="0"/>
           </a:p>
@@ -2869,7 +2869,7 @@
           <a:p>
             <a:fld id="{5E75A0DC-66C6-4CEC-A5EB-F8C97CEC3796}" type="datetimeFigureOut">
               <a:rPr lang="es-MX" smtClean="0"/>
-              <a:t>24/04/2023</a:t>
+              <a:t>21/05/2024</a:t>
             </a:fld>
             <a:endParaRPr lang="es-MX" dirty="0"/>
           </a:p>
@@ -2911,7 +2911,7 @@
           <a:p>
             <a:fld id="{C077EE1E-7A06-4E7F-9AFB-189FC69B7B0C}" type="slidenum">
               <a:rPr lang="es-MX" smtClean="0"/>
-              <a:t>‹Nº›</a:t>
+              <a:t>‹#›</a:t>
             </a:fld>
             <a:endParaRPr lang="es-MX" dirty="0"/>
           </a:p>
@@ -3115,7 +3115,7 @@
           <a:p>
             <a:fld id="{5E75A0DC-66C6-4CEC-A5EB-F8C97CEC3796}" type="datetimeFigureOut">
               <a:rPr lang="es-MX" smtClean="0"/>
-              <a:t>24/04/2023</a:t>
+              <a:t>21/05/2024</a:t>
             </a:fld>
             <a:endParaRPr lang="es-MX" dirty="0"/>
           </a:p>
@@ -3157,7 +3157,7 @@
           <a:p>
             <a:fld id="{C077EE1E-7A06-4E7F-9AFB-189FC69B7B0C}" type="slidenum">
               <a:rPr lang="es-MX" smtClean="0"/>
-              <a:t>‹Nº›</a:t>
+              <a:t>‹#›</a:t>
             </a:fld>
             <a:endParaRPr lang="es-MX" dirty="0"/>
           </a:p>
@@ -3403,7 +3403,7 @@
           <a:p>
             <a:fld id="{5E75A0DC-66C6-4CEC-A5EB-F8C97CEC3796}" type="datetimeFigureOut">
               <a:rPr lang="es-MX" smtClean="0"/>
-              <a:t>24/04/2023</a:t>
+              <a:t>21/05/2024</a:t>
             </a:fld>
             <a:endParaRPr lang="es-MX" dirty="0"/>
           </a:p>
@@ -3445,7 +3445,7 @@
           <a:p>
             <a:fld id="{C077EE1E-7A06-4E7F-9AFB-189FC69B7B0C}" type="slidenum">
               <a:rPr lang="es-MX" smtClean="0"/>
-              <a:t>‹Nº›</a:t>
+              <a:t>‹#›</a:t>
             </a:fld>
             <a:endParaRPr lang="es-MX" dirty="0"/>
           </a:p>
@@ -3825,7 +3825,7 @@
           <a:p>
             <a:fld id="{5E75A0DC-66C6-4CEC-A5EB-F8C97CEC3796}" type="datetimeFigureOut">
               <a:rPr lang="es-MX" smtClean="0"/>
-              <a:t>24/04/2023</a:t>
+              <a:t>21/05/2024</a:t>
             </a:fld>
             <a:endParaRPr lang="es-MX" dirty="0"/>
           </a:p>
@@ -3867,7 +3867,7 @@
           <a:p>
             <a:fld id="{C077EE1E-7A06-4E7F-9AFB-189FC69B7B0C}" type="slidenum">
               <a:rPr lang="es-MX" smtClean="0"/>
-              <a:t>‹Nº›</a:t>
+              <a:t>‹#›</a:t>
             </a:fld>
             <a:endParaRPr lang="es-MX" dirty="0"/>
           </a:p>
@@ -3943,7 +3943,7 @@
           <a:p>
             <a:fld id="{5E75A0DC-66C6-4CEC-A5EB-F8C97CEC3796}" type="datetimeFigureOut">
               <a:rPr lang="es-MX" smtClean="0"/>
-              <a:t>24/04/2023</a:t>
+              <a:t>21/05/2024</a:t>
             </a:fld>
             <a:endParaRPr lang="es-MX" dirty="0"/>
           </a:p>
@@ -3985,7 +3985,7 @@
           <a:p>
             <a:fld id="{C077EE1E-7A06-4E7F-9AFB-189FC69B7B0C}" type="slidenum">
               <a:rPr lang="es-MX" smtClean="0"/>
-              <a:t>‹Nº›</a:t>
+              <a:t>‹#›</a:t>
             </a:fld>
             <a:endParaRPr lang="es-MX" dirty="0"/>
           </a:p>
@@ -4038,7 +4038,7 @@
           <a:p>
             <a:fld id="{5E75A0DC-66C6-4CEC-A5EB-F8C97CEC3796}" type="datetimeFigureOut">
               <a:rPr lang="es-MX" smtClean="0"/>
-              <a:t>24/04/2023</a:t>
+              <a:t>21/05/2024</a:t>
             </a:fld>
             <a:endParaRPr lang="es-MX" dirty="0"/>
           </a:p>
@@ -4080,7 +4080,7 @@
           <a:p>
             <a:fld id="{C077EE1E-7A06-4E7F-9AFB-189FC69B7B0C}" type="slidenum">
               <a:rPr lang="es-MX" smtClean="0"/>
-              <a:t>‹Nº›</a:t>
+              <a:t>‹#›</a:t>
             </a:fld>
             <a:endParaRPr lang="es-MX" dirty="0"/>
           </a:p>
@@ -4315,7 +4315,7 @@
           <a:p>
             <a:fld id="{5E75A0DC-66C6-4CEC-A5EB-F8C97CEC3796}" type="datetimeFigureOut">
               <a:rPr lang="es-MX" smtClean="0"/>
-              <a:t>24/04/2023</a:t>
+              <a:t>21/05/2024</a:t>
             </a:fld>
             <a:endParaRPr lang="es-MX" dirty="0"/>
           </a:p>
@@ -4357,7 +4357,7 @@
           <a:p>
             <a:fld id="{C077EE1E-7A06-4E7F-9AFB-189FC69B7B0C}" type="slidenum">
               <a:rPr lang="es-MX" smtClean="0"/>
-              <a:t>‹Nº›</a:t>
+              <a:t>‹#›</a:t>
             </a:fld>
             <a:endParaRPr lang="es-MX" dirty="0"/>
           </a:p>
@@ -4568,7 +4568,7 @@
           <a:p>
             <a:fld id="{5E75A0DC-66C6-4CEC-A5EB-F8C97CEC3796}" type="datetimeFigureOut">
               <a:rPr lang="es-MX" smtClean="0"/>
-              <a:t>24/04/2023</a:t>
+              <a:t>21/05/2024</a:t>
             </a:fld>
             <a:endParaRPr lang="es-MX" dirty="0"/>
           </a:p>
@@ -4610,7 +4610,7 @@
           <a:p>
             <a:fld id="{C077EE1E-7A06-4E7F-9AFB-189FC69B7B0C}" type="slidenum">
               <a:rPr lang="es-MX" smtClean="0"/>
-              <a:t>‹Nº›</a:t>
+              <a:t>‹#›</a:t>
             </a:fld>
             <a:endParaRPr lang="es-MX" dirty="0"/>
           </a:p>
@@ -4781,7 +4781,7 @@
           <a:p>
             <a:fld id="{5E75A0DC-66C6-4CEC-A5EB-F8C97CEC3796}" type="datetimeFigureOut">
               <a:rPr lang="es-MX" smtClean="0"/>
-              <a:t>24/04/2023</a:t>
+              <a:t>21/05/2024</a:t>
             </a:fld>
             <a:endParaRPr lang="es-MX" dirty="0"/>
           </a:p>
@@ -4859,7 +4859,7 @@
           <a:p>
             <a:fld id="{C077EE1E-7A06-4E7F-9AFB-189FC69B7B0C}" type="slidenum">
               <a:rPr lang="es-MX" smtClean="0"/>
-              <a:t>‹Nº›</a:t>
+              <a:t>‹#›</a:t>
             </a:fld>
             <a:endParaRPr lang="es-MX" dirty="0"/>
           </a:p>
